--- a/Презентація.pptx
+++ b/Презентація.pptx
@@ -5,15 +5,16 @@
     <p:sldMasterId id="2147483648" r:id="rId1"/>
   </p:sldMasterIdLst>
   <p:sldIdLst>
-    <p:sldId id="256" r:id="rId2"/>
-    <p:sldId id="258" r:id="rId3"/>
-    <p:sldId id="260" r:id="rId4"/>
-    <p:sldId id="261" r:id="rId5"/>
-    <p:sldId id="262" r:id="rId6"/>
-    <p:sldId id="263" r:id="rId7"/>
-    <p:sldId id="264" r:id="rId8"/>
-    <p:sldId id="265" r:id="rId9"/>
-    <p:sldId id="266" r:id="rId10"/>
+    <p:sldId id="267" r:id="rId2"/>
+    <p:sldId id="256" r:id="rId3"/>
+    <p:sldId id="258" r:id="rId4"/>
+    <p:sldId id="260" r:id="rId5"/>
+    <p:sldId id="261" r:id="rId6"/>
+    <p:sldId id="262" r:id="rId7"/>
+    <p:sldId id="263" r:id="rId8"/>
+    <p:sldId id="264" r:id="rId9"/>
+    <p:sldId id="265" r:id="rId10"/>
+    <p:sldId id="266" r:id="rId11"/>
   </p:sldIdLst>
   <p:sldSz cx="12192000" cy="6858000"/>
   <p:notesSz cx="6858000" cy="9144000"/>
@@ -251,7 +252,7 @@
           <a:p>
             <a:fld id="{3D4218D2-C760-446E-A089-27BC5BE58644}" type="datetimeFigureOut">
               <a:rPr lang="en-US" smtClean="0"/>
-              <a:t>7/15/2022</a:t>
+              <a:t>7/19/2022</a:t>
             </a:fld>
             <a:endParaRPr lang="en-US"/>
           </a:p>
@@ -421,7 +422,7 @@
           <a:p>
             <a:fld id="{3D4218D2-C760-446E-A089-27BC5BE58644}" type="datetimeFigureOut">
               <a:rPr lang="en-US" smtClean="0"/>
-              <a:t>7/15/2022</a:t>
+              <a:t>7/19/2022</a:t>
             </a:fld>
             <a:endParaRPr lang="en-US"/>
           </a:p>
@@ -601,7 +602,7 @@
           <a:p>
             <a:fld id="{3D4218D2-C760-446E-A089-27BC5BE58644}" type="datetimeFigureOut">
               <a:rPr lang="en-US" smtClean="0"/>
-              <a:t>7/15/2022</a:t>
+              <a:t>7/19/2022</a:t>
             </a:fld>
             <a:endParaRPr lang="en-US"/>
           </a:p>
@@ -771,7 +772,7 @@
           <a:p>
             <a:fld id="{3D4218D2-C760-446E-A089-27BC5BE58644}" type="datetimeFigureOut">
               <a:rPr lang="en-US" smtClean="0"/>
-              <a:t>7/15/2022</a:t>
+              <a:t>7/19/2022</a:t>
             </a:fld>
             <a:endParaRPr lang="en-US"/>
           </a:p>
@@ -1017,7 +1018,7 @@
           <a:p>
             <a:fld id="{3D4218D2-C760-446E-A089-27BC5BE58644}" type="datetimeFigureOut">
               <a:rPr lang="en-US" smtClean="0"/>
-              <a:t>7/15/2022</a:t>
+              <a:t>7/19/2022</a:t>
             </a:fld>
             <a:endParaRPr lang="en-US"/>
           </a:p>
@@ -1249,7 +1250,7 @@
           <a:p>
             <a:fld id="{3D4218D2-C760-446E-A089-27BC5BE58644}" type="datetimeFigureOut">
               <a:rPr lang="en-US" smtClean="0"/>
-              <a:t>7/15/2022</a:t>
+              <a:t>7/19/2022</a:t>
             </a:fld>
             <a:endParaRPr lang="en-US"/>
           </a:p>
@@ -1616,7 +1617,7 @@
           <a:p>
             <a:fld id="{3D4218D2-C760-446E-A089-27BC5BE58644}" type="datetimeFigureOut">
               <a:rPr lang="en-US" smtClean="0"/>
-              <a:t>7/15/2022</a:t>
+              <a:t>7/19/2022</a:t>
             </a:fld>
             <a:endParaRPr lang="en-US"/>
           </a:p>
@@ -1734,7 +1735,7 @@
           <a:p>
             <a:fld id="{3D4218D2-C760-446E-A089-27BC5BE58644}" type="datetimeFigureOut">
               <a:rPr lang="en-US" smtClean="0"/>
-              <a:t>7/15/2022</a:t>
+              <a:t>7/19/2022</a:t>
             </a:fld>
             <a:endParaRPr lang="en-US"/>
           </a:p>
@@ -1829,7 +1830,7 @@
           <a:p>
             <a:fld id="{3D4218D2-C760-446E-A089-27BC5BE58644}" type="datetimeFigureOut">
               <a:rPr lang="en-US" smtClean="0"/>
-              <a:t>7/15/2022</a:t>
+              <a:t>7/19/2022</a:t>
             </a:fld>
             <a:endParaRPr lang="en-US"/>
           </a:p>
@@ -2106,7 +2107,7 @@
           <a:p>
             <a:fld id="{3D4218D2-C760-446E-A089-27BC5BE58644}" type="datetimeFigureOut">
               <a:rPr lang="en-US" smtClean="0"/>
-              <a:t>7/15/2022</a:t>
+              <a:t>7/19/2022</a:t>
             </a:fld>
             <a:endParaRPr lang="en-US"/>
           </a:p>
@@ -2359,7 +2360,7 @@
           <a:p>
             <a:fld id="{3D4218D2-C760-446E-A089-27BC5BE58644}" type="datetimeFigureOut">
               <a:rPr lang="en-US" smtClean="0"/>
-              <a:t>7/15/2022</a:t>
+              <a:t>7/19/2022</a:t>
             </a:fld>
             <a:endParaRPr lang="en-US"/>
           </a:p>
@@ -2589,7 +2590,7 @@
           <a:p>
             <a:fld id="{3D4218D2-C760-446E-A089-27BC5BE58644}" type="datetimeFigureOut">
               <a:rPr lang="en-US" smtClean="0"/>
-              <a:t>7/15/2022</a:t>
+              <a:t>7/19/2022</a:t>
             </a:fld>
             <a:endParaRPr lang="en-US"/>
           </a:p>
@@ -2978,6 +2979,136 @@
 </file>
 
 <file path=ppt/slides/slide1.xml><?xml version="1.0" encoding="utf-8"?>
+<p:sld xmlns:a="http://schemas.openxmlformats.org/drawingml/2006/main" xmlns:r="http://schemas.openxmlformats.org/officeDocument/2006/relationships" xmlns:p="http://schemas.openxmlformats.org/presentationml/2006/main">
+  <p:cSld>
+    <p:spTree>
+      <p:nvGrpSpPr>
+        <p:cNvPr id="1" name=""/>
+        <p:cNvGrpSpPr/>
+        <p:nvPr/>
+      </p:nvGrpSpPr>
+      <p:grpSpPr>
+        <a:xfrm>
+          <a:off x="0" y="0"/>
+          <a:ext cx="0" cy="0"/>
+          <a:chOff x="0" y="0"/>
+          <a:chExt cx="0" cy="0"/>
+        </a:xfrm>
+      </p:grpSpPr>
+      <p:sp>
+        <p:nvSpPr>
+          <p:cNvPr id="2" name="Заголовок 1"/>
+          <p:cNvSpPr>
+            <a:spLocks noGrp="1"/>
+          </p:cNvSpPr>
+          <p:nvPr>
+            <p:ph type="title"/>
+          </p:nvPr>
+        </p:nvSpPr>
+        <p:spPr>
+          <a:xfrm>
+            <a:off x="1358900" y="2495096"/>
+            <a:ext cx="10515600" cy="1325563"/>
+          </a:xfrm>
+        </p:spPr>
+        <p:txBody>
+          <a:bodyPr>
+            <a:normAutofit/>
+          </a:bodyPr>
+          <a:lstStyle/>
+          <a:p>
+            <a:r>
+              <a:rPr lang="uk-UA" sz="6000" dirty="0" smtClean="0"/>
+              <a:t>База даних платформи курсів</a:t>
+            </a:r>
+            <a:endParaRPr lang="en-US" sz="6000" dirty="0"/>
+          </a:p>
+        </p:txBody>
+      </p:sp>
+      <p:sp>
+        <p:nvSpPr>
+          <p:cNvPr id="3" name="Объект 2"/>
+          <p:cNvSpPr>
+            <a:spLocks noGrp="1"/>
+          </p:cNvSpPr>
+          <p:nvPr>
+            <p:ph idx="1"/>
+          </p:nvPr>
+        </p:nvSpPr>
+        <p:spPr>
+          <a:xfrm>
+            <a:off x="6616700" y="5318125"/>
+            <a:ext cx="10515600" cy="4351338"/>
+          </a:xfrm>
+        </p:spPr>
+        <p:txBody>
+          <a:bodyPr/>
+          <a:lstStyle/>
+          <a:p>
+            <a:pPr marL="0" indent="0">
+              <a:buNone/>
+            </a:pPr>
+            <a:r>
+              <a:rPr lang="uk-UA" dirty="0" smtClean="0">
+                <a:latin typeface="Segoe UI Light" panose="020B0502040204020203" pitchFamily="34" charset="0"/>
+                <a:cs typeface="Segoe UI Light" panose="020B0502040204020203" pitchFamily="34" charset="0"/>
+              </a:rPr>
+              <a:t>Виконав </a:t>
+            </a:r>
+            <a:r>
+              <a:rPr lang="uk-UA" dirty="0" err="1" smtClean="0">
+                <a:latin typeface="Segoe UI Light" panose="020B0502040204020203" pitchFamily="34" charset="0"/>
+                <a:cs typeface="Segoe UI Light" panose="020B0502040204020203" pitchFamily="34" charset="0"/>
+              </a:rPr>
+              <a:t>сутдент</a:t>
+            </a:r>
+            <a:r>
+              <a:rPr lang="uk-UA" dirty="0" smtClean="0">
+                <a:latin typeface="Segoe UI Light" panose="020B0502040204020203" pitchFamily="34" charset="0"/>
+                <a:cs typeface="Segoe UI Light" panose="020B0502040204020203" pitchFamily="34" charset="0"/>
+              </a:rPr>
+              <a:t> групи ІПЗ-20-4</a:t>
+            </a:r>
+          </a:p>
+          <a:p>
+            <a:pPr marL="0" indent="0">
+              <a:buNone/>
+            </a:pPr>
+            <a:r>
+              <a:rPr lang="uk-UA" dirty="0" smtClean="0">
+                <a:latin typeface="Segoe UI Light" panose="020B0502040204020203" pitchFamily="34" charset="0"/>
+                <a:cs typeface="Segoe UI Light" panose="020B0502040204020203" pitchFamily="34" charset="0"/>
+              </a:rPr>
+              <a:t>Кормиш Р.І</a:t>
+            </a:r>
+            <a:endParaRPr lang="en-US" dirty="0">
+              <a:latin typeface="Segoe UI Light" panose="020B0502040204020203" pitchFamily="34" charset="0"/>
+              <a:cs typeface="Segoe UI Light" panose="020B0502040204020203" pitchFamily="34" charset="0"/>
+            </a:endParaRPr>
+          </a:p>
+        </p:txBody>
+      </p:sp>
+    </p:spTree>
+    <p:extLst>
+      <p:ext uri="{BB962C8B-B14F-4D97-AF65-F5344CB8AC3E}">
+        <p14:creationId xmlns:p14="http://schemas.microsoft.com/office/powerpoint/2010/main" val="4226195854"/>
+      </p:ext>
+    </p:extLst>
+  </p:cSld>
+  <p:clrMapOvr>
+    <a:masterClrMapping/>
+  </p:clrMapOvr>
+  <p:timing>
+    <p:tnLst>
+      <p:par>
+        <p:cTn id="1" dur="indefinite" restart="never" nodeType="tmRoot"/>
+      </p:par>
+    </p:tnLst>
+  </p:timing>
+</p:sld>
+</file>
+
+<file path=ppt/slides/slide10.xml><?xml version="1.0" encoding="utf-8"?>
 <p:sld xmlns:a="http://schemas.openxmlformats.org/drawingml/2006/main" xmlns:r="http://schemas.openxmlformats.org/officeDocument/2006/relationships" xmlns:p="http://schemas.openxmlformats.org/presentationml/2006/main" showMasterSp="0">
   <p:cSld>
     <p:spTree>
@@ -2996,6 +3127,92 @@
       </p:grpSpPr>
       <p:sp>
         <p:nvSpPr>
+          <p:cNvPr id="5" name="Заголовок 1"/>
+          <p:cNvSpPr txBox="1">
+            <a:spLocks/>
+          </p:cNvSpPr>
+          <p:nvPr/>
+        </p:nvSpPr>
+        <p:spPr>
+          <a:xfrm>
+            <a:off x="1414367" y="2277686"/>
+            <a:ext cx="9809134" cy="1475063"/>
+          </a:xfrm>
+          <a:prstGeom prst="rect">
+            <a:avLst/>
+          </a:prstGeom>
+        </p:spPr>
+        <p:txBody>
+          <a:bodyPr vert="horz" lIns="91440" tIns="45720" rIns="91440" bIns="45720" rtlCol="0" anchor="b">
+            <a:normAutofit fontScale="97500"/>
+          </a:bodyPr>
+          <a:lstStyle>
+            <a:lvl1pPr algn="ctr" defTabSz="914400" rtl="0" eaLnBrk="1" latinLnBrk="0" hangingPunct="1">
+              <a:lnSpc>
+                <a:spcPct val="90000"/>
+              </a:lnSpc>
+              <a:spcBef>
+                <a:spcPct val="0"/>
+              </a:spcBef>
+              <a:buNone/>
+              <a:defRPr sz="6000" kern="1200">
+                <a:solidFill>
+                  <a:schemeClr val="tx1"/>
+                </a:solidFill>
+                <a:latin typeface="+mj-lt"/>
+                <a:ea typeface="+mj-ea"/>
+                <a:cs typeface="+mj-cs"/>
+              </a:defRPr>
+            </a:lvl1pPr>
+          </a:lstStyle>
+          <a:p>
+            <a:r>
+              <a:rPr lang="uk-UA" dirty="0" smtClean="0"/>
+              <a:t>Дякую за увагу!</a:t>
+            </a:r>
+            <a:endParaRPr lang="en-US" dirty="0"/>
+          </a:p>
+        </p:txBody>
+      </p:sp>
+    </p:spTree>
+    <p:extLst>
+      <p:ext uri="{BB962C8B-B14F-4D97-AF65-F5344CB8AC3E}">
+        <p14:creationId xmlns:p14="http://schemas.microsoft.com/office/powerpoint/2010/main" val="4242559463"/>
+      </p:ext>
+    </p:extLst>
+  </p:cSld>
+  <p:clrMapOvr>
+    <a:masterClrMapping/>
+  </p:clrMapOvr>
+  <p:timing>
+    <p:tnLst>
+      <p:par>
+        <p:cTn id="1" dur="indefinite" restart="never" nodeType="tmRoot"/>
+      </p:par>
+    </p:tnLst>
+  </p:timing>
+</p:sld>
+</file>
+
+<file path=ppt/slides/slide2.xml><?xml version="1.0" encoding="utf-8"?>
+<p:sld xmlns:a="http://schemas.openxmlformats.org/drawingml/2006/main" xmlns:r="http://schemas.openxmlformats.org/officeDocument/2006/relationships" xmlns:p="http://schemas.openxmlformats.org/presentationml/2006/main" showMasterSp="0">
+  <p:cSld>
+    <p:spTree>
+      <p:nvGrpSpPr>
+        <p:cNvPr id="1" name=""/>
+        <p:cNvGrpSpPr/>
+        <p:nvPr/>
+      </p:nvGrpSpPr>
+      <p:grpSpPr>
+        <a:xfrm>
+          <a:off x="0" y="0"/>
+          <a:ext cx="0" cy="0"/>
+          <a:chOff x="0" y="0"/>
+          <a:chExt cx="0" cy="0"/>
+        </a:xfrm>
+      </p:grpSpPr>
+      <p:sp>
+        <p:nvSpPr>
           <p:cNvPr id="2" name="Заголовок 1"/>
           <p:cNvSpPr>
             <a:spLocks noGrp="1"/>
@@ -3050,7 +3267,21 @@
                 <a:latin typeface="Segoe UI Light" panose="020B0502040204020203" pitchFamily="34" charset="0"/>
                 <a:cs typeface="Segoe UI Light" panose="020B0502040204020203" pitchFamily="34" charset="0"/>
               </a:rPr>
-              <a:t>Використання баз даних є однією з характерних рис більшості сучасних інформаційних систем. По суті своїй бази даних і є ти, навколо чого  будується ІС будь-якого підприємства.</a:t>
+              <a:t>Використання баз даних є однією з характерних рис більшості сучасних інформаційних систем. По суті своїй бази даних і є </a:t>
+            </a:r>
+            <a:r>
+              <a:rPr lang="uk-UA" sz="2000" dirty="0" smtClean="0">
+                <a:latin typeface="Segoe UI Light" panose="020B0502040204020203" pitchFamily="34" charset="0"/>
+                <a:cs typeface="Segoe UI Light" panose="020B0502040204020203" pitchFamily="34" charset="0"/>
+              </a:rPr>
+              <a:t>тим, </a:t>
+            </a:r>
+            <a:r>
+              <a:rPr lang="uk-UA" sz="2000" dirty="0" smtClean="0">
+                <a:latin typeface="Segoe UI Light" panose="020B0502040204020203" pitchFamily="34" charset="0"/>
+                <a:cs typeface="Segoe UI Light" panose="020B0502040204020203" pitchFamily="34" charset="0"/>
+              </a:rPr>
+              <a:t>навколо чого  будується ІС будь-якого підприємства.</a:t>
             </a:r>
             <a:endParaRPr lang="en-US" sz="2000" dirty="0">
               <a:latin typeface="Segoe UI Light" panose="020B0502040204020203" pitchFamily="34" charset="0"/>
@@ -3176,7 +3407,7 @@
 </p:sld>
 </file>
 
-<file path=ppt/slides/slide2.xml><?xml version="1.0" encoding="utf-8"?>
+<file path=ppt/slides/slide3.xml><?xml version="1.0" encoding="utf-8"?>
 <p:sld xmlns:a="http://schemas.openxmlformats.org/drawingml/2006/main" xmlns:r="http://schemas.openxmlformats.org/officeDocument/2006/relationships" xmlns:p="http://schemas.openxmlformats.org/presentationml/2006/main" showMasterSp="0">
   <p:cSld>
     <p:spTree>
@@ -3399,7 +3630,7 @@
 </p:sld>
 </file>
 
-<file path=ppt/slides/slide3.xml><?xml version="1.0" encoding="utf-8"?>
+<file path=ppt/slides/slide4.xml><?xml version="1.0" encoding="utf-8"?>
 <p:sld xmlns:a="http://schemas.openxmlformats.org/drawingml/2006/main" xmlns:r="http://schemas.openxmlformats.org/officeDocument/2006/relationships" xmlns:p="http://schemas.openxmlformats.org/presentationml/2006/main" showMasterSp="0">
   <p:cSld>
     <p:spTree>
@@ -3572,7 +3803,7 @@
 </p:sld>
 </file>
 
-<file path=ppt/slides/slide4.xml><?xml version="1.0" encoding="utf-8"?>
+<file path=ppt/slides/slide5.xml><?xml version="1.0" encoding="utf-8"?>
 <p:sld xmlns:a="http://schemas.openxmlformats.org/drawingml/2006/main" xmlns:r="http://schemas.openxmlformats.org/officeDocument/2006/relationships" xmlns:p="http://schemas.openxmlformats.org/presentationml/2006/main" showMasterSp="0">
   <p:cSld>
     <p:spTree>
@@ -4222,7 +4453,7 @@
 </p:sld>
 </file>
 
-<file path=ppt/slides/slide5.xml><?xml version="1.0" encoding="utf-8"?>
+<file path=ppt/slides/slide6.xml><?xml version="1.0" encoding="utf-8"?>
 <p:sld xmlns:a="http://schemas.openxmlformats.org/drawingml/2006/main" xmlns:r="http://schemas.openxmlformats.org/officeDocument/2006/relationships" xmlns:p="http://schemas.openxmlformats.org/presentationml/2006/main" showMasterSp="0">
   <p:cSld>
     <p:spTree>
@@ -4535,7 +4766,7 @@
 </p:sld>
 </file>
 
-<file path=ppt/slides/slide6.xml><?xml version="1.0" encoding="utf-8"?>
+<file path=ppt/slides/slide7.xml><?xml version="1.0" encoding="utf-8"?>
 <p:sld xmlns:a="http://schemas.openxmlformats.org/drawingml/2006/main" xmlns:r="http://schemas.openxmlformats.org/officeDocument/2006/relationships" xmlns:p="http://schemas.openxmlformats.org/presentationml/2006/main" showMasterSp="0">
   <p:cSld>
     <p:spTree>
@@ -4624,7 +4855,7 @@
 </p:sld>
 </file>
 
-<file path=ppt/slides/slide7.xml><?xml version="1.0" encoding="utf-8"?>
+<file path=ppt/slides/slide8.xml><?xml version="1.0" encoding="utf-8"?>
 <p:sld xmlns:a="http://schemas.openxmlformats.org/drawingml/2006/main" xmlns:r="http://schemas.openxmlformats.org/officeDocument/2006/relationships" xmlns:p="http://schemas.openxmlformats.org/presentationml/2006/main" showMasterSp="0">
   <p:cSld>
     <p:spTree>
@@ -4713,194 +4944,6 @@
 </p:sld>
 </file>
 
-<file path=ppt/slides/slide8.xml><?xml version="1.0" encoding="utf-8"?>
-<p:sld xmlns:a="http://schemas.openxmlformats.org/drawingml/2006/main" xmlns:r="http://schemas.openxmlformats.org/officeDocument/2006/relationships" xmlns:p="http://schemas.openxmlformats.org/presentationml/2006/main" showMasterSp="0">
-  <p:cSld>
-    <p:spTree>
-      <p:nvGrpSpPr>
-        <p:cNvPr id="1" name=""/>
-        <p:cNvGrpSpPr/>
-        <p:nvPr/>
-      </p:nvGrpSpPr>
-      <p:grpSpPr>
-        <a:xfrm>
-          <a:off x="0" y="0"/>
-          <a:ext cx="0" cy="0"/>
-          <a:chOff x="0" y="0"/>
-          <a:chExt cx="0" cy="0"/>
-        </a:xfrm>
-      </p:grpSpPr>
-      <p:sp>
-        <p:nvSpPr>
-          <p:cNvPr id="5" name="Заголовок 1"/>
-          <p:cNvSpPr txBox="1">
-            <a:spLocks/>
-          </p:cNvSpPr>
-          <p:nvPr/>
-        </p:nvSpPr>
-        <p:spPr>
-          <a:xfrm>
-            <a:off x="583095" y="0"/>
-            <a:ext cx="9809134" cy="1475063"/>
-          </a:xfrm>
-          <a:prstGeom prst="rect">
-            <a:avLst/>
-          </a:prstGeom>
-        </p:spPr>
-        <p:txBody>
-          <a:bodyPr vert="horz" lIns="91440" tIns="45720" rIns="91440" bIns="45720" rtlCol="0" anchor="b">
-            <a:normAutofit fontScale="97500"/>
-          </a:bodyPr>
-          <a:lstStyle>
-            <a:lvl1pPr algn="ctr" defTabSz="914400" rtl="0" eaLnBrk="1" latinLnBrk="0" hangingPunct="1">
-              <a:lnSpc>
-                <a:spcPct val="90000"/>
-              </a:lnSpc>
-              <a:spcBef>
-                <a:spcPct val="0"/>
-              </a:spcBef>
-              <a:buNone/>
-              <a:defRPr sz="6000" kern="1200">
-                <a:solidFill>
-                  <a:schemeClr val="tx1"/>
-                </a:solidFill>
-                <a:latin typeface="+mj-lt"/>
-                <a:ea typeface="+mj-ea"/>
-                <a:cs typeface="+mj-cs"/>
-              </a:defRPr>
-            </a:lvl1pPr>
-          </a:lstStyle>
-          <a:p>
-            <a:r>
-              <a:rPr lang="uk-UA" dirty="0" smtClean="0"/>
-              <a:t>Висновки</a:t>
-            </a:r>
-            <a:endParaRPr lang="en-US" dirty="0"/>
-          </a:p>
-        </p:txBody>
-      </p:sp>
-      <p:sp>
-        <p:nvSpPr>
-          <p:cNvPr id="6" name="Подзаголовок 2"/>
-          <p:cNvSpPr>
-            <a:spLocks noGrp="1"/>
-          </p:cNvSpPr>
-          <p:nvPr>
-            <p:ph type="subTitle" idx="1"/>
-          </p:nvPr>
-        </p:nvSpPr>
-        <p:spPr>
-          <a:xfrm>
-            <a:off x="1081879" y="1842362"/>
-            <a:ext cx="8802350" cy="2468381"/>
-          </a:xfrm>
-        </p:spPr>
-        <p:txBody>
-          <a:bodyPr>
-            <a:normAutofit fontScale="85000" lnSpcReduction="10000"/>
-          </a:bodyPr>
-          <a:lstStyle/>
-          <a:p>
-            <a:pPr algn="l"/>
-            <a:r>
-              <a:rPr lang="uk-UA" sz="2000" dirty="0" smtClean="0"/>
-              <a:t>Було спроектовано та розроблено повноцінну платформу курсів, яка має можливості :</a:t>
-            </a:r>
-          </a:p>
-          <a:p>
-            <a:pPr marL="285750" indent="-285750" algn="l">
-              <a:buFont typeface="Wingdings" panose="05000000000000000000" pitchFamily="2" charset="2"/>
-              <a:buChar char="v"/>
-            </a:pPr>
-            <a:r>
-              <a:rPr lang="uk-UA" sz="2000" dirty="0" smtClean="0"/>
-              <a:t>Додавання та редагування курсу</a:t>
-            </a:r>
-          </a:p>
-          <a:p>
-            <a:pPr marL="285750" indent="-285750" algn="l">
-              <a:buFont typeface="Wingdings" panose="05000000000000000000" pitchFamily="2" charset="2"/>
-              <a:buChar char="v"/>
-            </a:pPr>
-            <a:r>
-              <a:rPr lang="uk-UA" sz="2000" dirty="0" smtClean="0"/>
-              <a:t>Додавання  та редагування розділів та відеоматеріалів курсу</a:t>
-            </a:r>
-          </a:p>
-          <a:p>
-            <a:pPr marL="285750" indent="-285750" algn="l">
-              <a:buFont typeface="Wingdings" panose="05000000000000000000" pitchFamily="2" charset="2"/>
-              <a:buChar char="v"/>
-            </a:pPr>
-            <a:r>
-              <a:rPr lang="uk-UA" sz="2000" dirty="0" smtClean="0"/>
-              <a:t>Придбання курсу</a:t>
-            </a:r>
-          </a:p>
-          <a:p>
-            <a:pPr marL="285750" indent="-285750" algn="l">
-              <a:buFont typeface="Wingdings" panose="05000000000000000000" pitchFamily="2" charset="2"/>
-              <a:buChar char="v"/>
-            </a:pPr>
-            <a:r>
-              <a:rPr lang="uk-UA" sz="2000" dirty="0" smtClean="0"/>
-              <a:t>Створення резервних копій БД та відновлення з них даних</a:t>
-            </a:r>
-          </a:p>
-          <a:p>
-            <a:pPr marL="285750" indent="-285750" algn="l">
-              <a:buFont typeface="Wingdings" panose="05000000000000000000" pitchFamily="2" charset="2"/>
-              <a:buChar char="v"/>
-            </a:pPr>
-            <a:r>
-              <a:rPr lang="uk-UA" sz="2000" dirty="0" smtClean="0"/>
-              <a:t>Пошуку та вибірки курсів по </a:t>
-            </a:r>
-            <a:r>
-              <a:rPr lang="uk-UA" sz="2000" dirty="0" err="1" smtClean="0"/>
-              <a:t>мультипараметрах</a:t>
-            </a:r>
-            <a:endParaRPr lang="uk-UA" sz="2000" dirty="0" smtClean="0"/>
-          </a:p>
-          <a:p>
-            <a:pPr marL="285750" indent="-285750" algn="l">
-              <a:buFont typeface="Wingdings" panose="05000000000000000000" pitchFamily="2" charset="2"/>
-              <a:buChar char="v"/>
-            </a:pPr>
-            <a:r>
-              <a:rPr lang="uk-UA" sz="2000" dirty="0" smtClean="0"/>
-              <a:t>Перегляд звітності</a:t>
-            </a:r>
-          </a:p>
-          <a:p>
-            <a:pPr marL="285750" indent="-285750">
-              <a:buFont typeface="Wingdings" panose="05000000000000000000" pitchFamily="2" charset="2"/>
-              <a:buChar char="v"/>
-            </a:pPr>
-            <a:endParaRPr lang="en-US" sz="2000" dirty="0"/>
-          </a:p>
-        </p:txBody>
-      </p:sp>
-    </p:spTree>
-    <p:extLst>
-      <p:ext uri="{BB962C8B-B14F-4D97-AF65-F5344CB8AC3E}">
-        <p14:creationId xmlns:p14="http://schemas.microsoft.com/office/powerpoint/2010/main" val="967277506"/>
-      </p:ext>
-    </p:extLst>
-  </p:cSld>
-  <p:clrMapOvr>
-    <a:masterClrMapping/>
-  </p:clrMapOvr>
-  <p:timing>
-    <p:tnLst>
-      <p:par>
-        <p:cTn id="1" dur="indefinite" restart="never" nodeType="tmRoot"/>
-      </p:par>
-    </p:tnLst>
-  </p:timing>
-</p:sld>
-</file>
-
 <file path=ppt/slides/slide9.xml><?xml version="1.0" encoding="utf-8"?>
 <p:sld xmlns:a="http://schemas.openxmlformats.org/drawingml/2006/main" xmlns:r="http://schemas.openxmlformats.org/officeDocument/2006/relationships" xmlns:p="http://schemas.openxmlformats.org/presentationml/2006/main" showMasterSp="0">
   <p:cSld>
@@ -4928,7 +4971,7 @@
         </p:nvSpPr>
         <p:spPr>
           <a:xfrm>
-            <a:off x="1414367" y="2277686"/>
+            <a:off x="583095" y="0"/>
             <a:ext cx="9809134" cy="1475063"/>
           </a:xfrm>
           <a:prstGeom prst="rect">
@@ -4961,16 +5004,118 @@
           <a:p>
             <a:r>
               <a:rPr lang="uk-UA" dirty="0" smtClean="0"/>
-              <a:t>Дякую за увагу!</a:t>
+              <a:t>Висновки</a:t>
             </a:r>
             <a:endParaRPr lang="en-US" dirty="0"/>
+          </a:p>
+        </p:txBody>
+      </p:sp>
+      <p:sp>
+        <p:nvSpPr>
+          <p:cNvPr id="6" name="Подзаголовок 2"/>
+          <p:cNvSpPr>
+            <a:spLocks noGrp="1"/>
+          </p:cNvSpPr>
+          <p:nvPr>
+            <p:ph type="subTitle" idx="1"/>
+          </p:nvPr>
+        </p:nvSpPr>
+        <p:spPr>
+          <a:xfrm>
+            <a:off x="1081879" y="1842362"/>
+            <a:ext cx="8802350" cy="2468381"/>
+          </a:xfrm>
+        </p:spPr>
+        <p:txBody>
+          <a:bodyPr>
+            <a:normAutofit fontScale="85000" lnSpcReduction="10000"/>
+          </a:bodyPr>
+          <a:lstStyle/>
+          <a:p>
+            <a:pPr algn="l"/>
+            <a:r>
+              <a:rPr lang="uk-UA" sz="2000" dirty="0" smtClean="0"/>
+              <a:t>Було спроектовано та розроблено повноцінну платформу курсів, яка має можливості :</a:t>
+            </a:r>
+          </a:p>
+          <a:p>
+            <a:pPr marL="285750" indent="-285750" algn="l">
+              <a:buFont typeface="Wingdings" panose="05000000000000000000" pitchFamily="2" charset="2"/>
+              <a:buChar char="v"/>
+            </a:pPr>
+            <a:r>
+              <a:rPr lang="uk-UA" sz="2000" dirty="0" smtClean="0"/>
+              <a:t>Додавання та редагування курсу</a:t>
+            </a:r>
+          </a:p>
+          <a:p>
+            <a:pPr marL="285750" indent="-285750" algn="l">
+              <a:buFont typeface="Wingdings" panose="05000000000000000000" pitchFamily="2" charset="2"/>
+              <a:buChar char="v"/>
+            </a:pPr>
+            <a:r>
+              <a:rPr lang="uk-UA" sz="2000" dirty="0" smtClean="0"/>
+              <a:t>Додавання  та редагування розділів та відеоматеріалів курсу</a:t>
+            </a:r>
+          </a:p>
+          <a:p>
+            <a:pPr marL="285750" indent="-285750" algn="l">
+              <a:buFont typeface="Wingdings" panose="05000000000000000000" pitchFamily="2" charset="2"/>
+              <a:buChar char="v"/>
+            </a:pPr>
+            <a:r>
+              <a:rPr lang="uk-UA" sz="2000" dirty="0" smtClean="0"/>
+              <a:t>Придбання курсу</a:t>
+            </a:r>
+          </a:p>
+          <a:p>
+            <a:pPr marL="285750" indent="-285750" algn="l">
+              <a:buFont typeface="Wingdings" panose="05000000000000000000" pitchFamily="2" charset="2"/>
+              <a:buChar char="v"/>
+            </a:pPr>
+            <a:r>
+              <a:rPr lang="uk-UA" sz="2000" dirty="0" smtClean="0"/>
+              <a:t>Створення резервних копій БД та відновлення з них даних</a:t>
+            </a:r>
+          </a:p>
+          <a:p>
+            <a:pPr marL="285750" indent="-285750" algn="l">
+              <a:buFont typeface="Wingdings" panose="05000000000000000000" pitchFamily="2" charset="2"/>
+              <a:buChar char="v"/>
+            </a:pPr>
+            <a:r>
+              <a:rPr lang="uk-UA" sz="2000" dirty="0" smtClean="0"/>
+              <a:t>Пошуку та вибірки курсів по </a:t>
+            </a:r>
+            <a:r>
+              <a:rPr lang="uk-UA" sz="2000" dirty="0" err="1" smtClean="0"/>
+              <a:t>мультипараметрах</a:t>
+            </a:r>
+            <a:endParaRPr lang="uk-UA" sz="2000" dirty="0" smtClean="0"/>
+          </a:p>
+          <a:p>
+            <a:pPr marL="285750" indent="-285750" algn="l">
+              <a:buFont typeface="Wingdings" panose="05000000000000000000" pitchFamily="2" charset="2"/>
+              <a:buChar char="v"/>
+            </a:pPr>
+            <a:r>
+              <a:rPr lang="uk-UA" sz="2000" dirty="0" smtClean="0"/>
+              <a:t>Перегляд звітності</a:t>
+            </a:r>
+          </a:p>
+          <a:p>
+            <a:pPr marL="285750" indent="-285750">
+              <a:buFont typeface="Wingdings" panose="05000000000000000000" pitchFamily="2" charset="2"/>
+              <a:buChar char="v"/>
+            </a:pPr>
+            <a:endParaRPr lang="en-US" sz="2000" dirty="0"/>
           </a:p>
         </p:txBody>
       </p:sp>
     </p:spTree>
     <p:extLst>
       <p:ext uri="{BB962C8B-B14F-4D97-AF65-F5344CB8AC3E}">
-        <p14:creationId xmlns:p14="http://schemas.microsoft.com/office/powerpoint/2010/main" val="4242559463"/>
+        <p14:creationId xmlns:p14="http://schemas.microsoft.com/office/powerpoint/2010/main" val="967277506"/>
       </p:ext>
     </p:extLst>
   </p:cSld>
